--- a/docs/diagrams/LogicComponentSequenceDiagram.pptx
+++ b/docs/diagrams/LogicComponentSequenceDiagram.pptx
@@ -212,7 +212,7 @@
           <a:p>
             <a:fld id="{F5CC4B3F-88C1-4FFA-B1B6-F41C21DC6924}" type="datetimeFigureOut">
               <a:rPr lang="en-US" smtClean="0"/>
-              <a:t>7/11/2017</a:t>
+              <a:t>4/5/2018</a:t>
             </a:fld>
             <a:endParaRPr lang="en-US"/>
           </a:p>
@@ -658,7 +658,7 @@
           <a:p>
             <a:fld id="{78C97017-6FC3-485B-9764-EAC9E56C1D49}" type="datetimeFigureOut">
               <a:rPr lang="en-US" smtClean="0"/>
-              <a:t>7/11/2017</a:t>
+              <a:t>4/5/2018</a:t>
             </a:fld>
             <a:endParaRPr lang="en-US"/>
           </a:p>
@@ -826,7 +826,7 @@
           <a:p>
             <a:fld id="{78C97017-6FC3-485B-9764-EAC9E56C1D49}" type="datetimeFigureOut">
               <a:rPr lang="en-US" smtClean="0"/>
-              <a:t>7/11/2017</a:t>
+              <a:t>4/5/2018</a:t>
             </a:fld>
             <a:endParaRPr lang="en-US"/>
           </a:p>
@@ -1004,7 +1004,7 @@
           <a:p>
             <a:fld id="{78C97017-6FC3-485B-9764-EAC9E56C1D49}" type="datetimeFigureOut">
               <a:rPr lang="en-US" smtClean="0"/>
-              <a:t>7/11/2017</a:t>
+              <a:t>4/5/2018</a:t>
             </a:fld>
             <a:endParaRPr lang="en-US"/>
           </a:p>
@@ -1172,7 +1172,7 @@
           <a:p>
             <a:fld id="{78C97017-6FC3-485B-9764-EAC9E56C1D49}" type="datetimeFigureOut">
               <a:rPr lang="en-US" smtClean="0"/>
-              <a:t>7/11/2017</a:t>
+              <a:t>4/5/2018</a:t>
             </a:fld>
             <a:endParaRPr lang="en-US"/>
           </a:p>
@@ -1417,7 +1417,7 @@
           <a:p>
             <a:fld id="{78C97017-6FC3-485B-9764-EAC9E56C1D49}" type="datetimeFigureOut">
               <a:rPr lang="en-US" smtClean="0"/>
-              <a:t>7/11/2017</a:t>
+              <a:t>4/5/2018</a:t>
             </a:fld>
             <a:endParaRPr lang="en-US"/>
           </a:p>
@@ -1702,7 +1702,7 @@
           <a:p>
             <a:fld id="{78C97017-6FC3-485B-9764-EAC9E56C1D49}" type="datetimeFigureOut">
               <a:rPr lang="en-US" smtClean="0"/>
-              <a:t>7/11/2017</a:t>
+              <a:t>4/5/2018</a:t>
             </a:fld>
             <a:endParaRPr lang="en-US"/>
           </a:p>
@@ -2121,7 +2121,7 @@
           <a:p>
             <a:fld id="{78C97017-6FC3-485B-9764-EAC9E56C1D49}" type="datetimeFigureOut">
               <a:rPr lang="en-US" smtClean="0"/>
-              <a:t>7/11/2017</a:t>
+              <a:t>4/5/2018</a:t>
             </a:fld>
             <a:endParaRPr lang="en-US"/>
           </a:p>
@@ -2238,7 +2238,7 @@
           <a:p>
             <a:fld id="{78C97017-6FC3-485B-9764-EAC9E56C1D49}" type="datetimeFigureOut">
               <a:rPr lang="en-US" smtClean="0"/>
-              <a:t>7/11/2017</a:t>
+              <a:t>4/5/2018</a:t>
             </a:fld>
             <a:endParaRPr lang="en-US"/>
           </a:p>
@@ -2333,7 +2333,7 @@
           <a:p>
             <a:fld id="{78C97017-6FC3-485B-9764-EAC9E56C1D49}" type="datetimeFigureOut">
               <a:rPr lang="en-US" smtClean="0"/>
-              <a:t>7/11/2017</a:t>
+              <a:t>4/5/2018</a:t>
             </a:fld>
             <a:endParaRPr lang="en-US"/>
           </a:p>
@@ -2608,7 +2608,7 @@
           <a:p>
             <a:fld id="{78C97017-6FC3-485B-9764-EAC9E56C1D49}" type="datetimeFigureOut">
               <a:rPr lang="en-US" smtClean="0"/>
-              <a:t>7/11/2017</a:t>
+              <a:t>4/5/2018</a:t>
             </a:fld>
             <a:endParaRPr lang="en-US"/>
           </a:p>
@@ -2860,7 +2860,7 @@
           <a:p>
             <a:fld id="{78C97017-6FC3-485B-9764-EAC9E56C1D49}" type="datetimeFigureOut">
               <a:rPr lang="en-US" smtClean="0"/>
-              <a:t>7/11/2017</a:t>
+              <a:t>4/5/2018</a:t>
             </a:fld>
             <a:endParaRPr lang="en-US"/>
           </a:p>
@@ -3071,7 +3071,7 @@
           <a:p>
             <a:fld id="{78C97017-6FC3-485B-9764-EAC9E56C1D49}" type="datetimeFigureOut">
               <a:rPr lang="en-US" smtClean="0"/>
-              <a:t>7/11/2017</a:t>
+              <a:t>4/5/2018</a:t>
             </a:fld>
             <a:endParaRPr lang="en-US"/>
           </a:p>
@@ -3667,7 +3667,7 @@
         <p:spPr>
           <a:xfrm>
             <a:off x="2743200" y="2179309"/>
-            <a:ext cx="1219200" cy="467684"/>
+            <a:ext cx="1447800" cy="467684"/>
           </a:xfrm>
           <a:prstGeom prst="rect">
             <a:avLst/>
@@ -3707,18 +3707,15 @@
                   <a:schemeClr val="bg1"/>
                 </a:solidFill>
               </a:rPr>
-              <a:t>:Address</a:t>
-            </a:r>
-          </a:p>
-          <a:p>
-            <a:pPr algn="ctr"/>
+              <a:t>:</a:t>
+            </a:r>
             <a:r>
               <a:rPr lang="en-US" sz="1600" dirty="0" err="1">
                 <a:solidFill>
                   <a:schemeClr val="bg1"/>
                 </a:solidFill>
               </a:rPr>
-              <a:t>BookParser</a:t>
+              <a:t>InvestigapptorParser</a:t>
             </a:r>
             <a:endParaRPr lang="en-SG" sz="1600" dirty="0">
               <a:solidFill>
@@ -3824,8 +3821,8 @@
         </p:nvSpPr>
         <p:spPr>
           <a:xfrm>
-            <a:off x="6221565" y="3312740"/>
-            <a:ext cx="1093635" cy="461538"/>
+            <a:off x="6172200" y="3312740"/>
+            <a:ext cx="1398435" cy="461538"/>
           </a:xfrm>
           <a:prstGeom prst="rect">
             <a:avLst/>
@@ -3865,7 +3862,7 @@
                   <a:schemeClr val="bg1"/>
                 </a:solidFill>
               </a:rPr>
-              <a:t>d:Delete</a:t>
+              <a:t>d:DeleteCase</a:t>
             </a:r>
             <a:br>
               <a:rPr lang="en-US" sz="1600" dirty="0">
@@ -4056,8 +4053,8 @@
         </p:nvSpPr>
         <p:spPr>
           <a:xfrm>
-            <a:off x="0" y="2743200"/>
-            <a:ext cx="1424846" cy="215444"/>
+            <a:off x="-387822" y="2788977"/>
+            <a:ext cx="1905000" cy="184666"/>
           </a:xfrm>
           <a:prstGeom prst="rect">
             <a:avLst/>
@@ -4072,12 +4069,28 @@
           <a:p>
             <a:pPr algn="r"/>
             <a:r>
-              <a:rPr lang="en-US" sz="1400" dirty="0">
+              <a:rPr lang="en-US" sz="1200" dirty="0">
                 <a:solidFill>
                   <a:srgbClr val="0070C0"/>
                 </a:solidFill>
               </a:rPr>
-              <a:t>execute(“delete 1”)</a:t>
+              <a:t>execute(“</a:t>
+            </a:r>
+            <a:r>
+              <a:rPr lang="en-US" sz="1200" dirty="0" err="1">
+                <a:solidFill>
+                  <a:srgbClr val="0070C0"/>
+                </a:solidFill>
+              </a:rPr>
+              <a:t>deleteCase</a:t>
+            </a:r>
+            <a:r>
+              <a:rPr lang="en-US" sz="1200" dirty="0">
+                <a:solidFill>
+                  <a:srgbClr val="0070C0"/>
+                </a:solidFill>
+              </a:rPr>
+              <a:t> 1”)</a:t>
             </a:r>
           </a:p>
         </p:txBody>
@@ -4640,8 +4653,8 @@
         </p:nvSpPr>
         <p:spPr>
           <a:xfrm>
-            <a:off x="6984957" y="4267200"/>
-            <a:ext cx="1424846" cy="215444"/>
+            <a:off x="6934200" y="4267200"/>
+            <a:ext cx="1589916" cy="215444"/>
           </a:xfrm>
           <a:prstGeom prst="rect">
             <a:avLst/>
@@ -4671,7 +4684,7 @@
                   <a:srgbClr val="7030A0"/>
                 </a:solidFill>
               </a:rPr>
-              <a:t>deletePerson</a:t>
+              <a:t>deleteCrimeCase</a:t>
             </a:r>
             <a:r>
               <a:rPr lang="en-US" dirty="0">
@@ -4679,7 +4692,7 @@
                   <a:srgbClr val="7030A0"/>
                 </a:solidFill>
               </a:rPr>
-              <a:t>(p)</a:t>
+              <a:t>(c)</a:t>
             </a:r>
           </a:p>
         </p:txBody>
@@ -4732,8 +4745,8 @@
         </p:nvSpPr>
         <p:spPr>
           <a:xfrm>
-            <a:off x="1742982" y="2850922"/>
-            <a:ext cx="1424846" cy="215444"/>
+            <a:off x="1553182" y="2874642"/>
+            <a:ext cx="1716537" cy="184666"/>
           </a:xfrm>
           <a:prstGeom prst="rect">
             <a:avLst/>
@@ -4758,8 +4771,16 @@
           </a:lstStyle>
           <a:p>
             <a:r>
-              <a:rPr lang="en-US" dirty="0"/>
-              <a:t>parse(“delete 1”)</a:t>
+              <a:rPr lang="en-US" sz="1200" dirty="0"/>
+              <a:t>parse(“</a:t>
+            </a:r>
+            <a:r>
+              <a:rPr lang="en-US" sz="1200" dirty="0" err="1"/>
+              <a:t>deleteCase</a:t>
+            </a:r>
+            <a:r>
+              <a:rPr lang="en-US" sz="1200" dirty="0"/>
+              <a:t> 1”)</a:t>
             </a:r>
           </a:p>
         </p:txBody>
@@ -5044,8 +5065,8 @@
         </p:nvSpPr>
         <p:spPr>
           <a:xfrm>
-            <a:off x="4231981" y="2929839"/>
-            <a:ext cx="1778201" cy="432035"/>
+            <a:off x="4114800" y="2929839"/>
+            <a:ext cx="2016419" cy="432035"/>
           </a:xfrm>
           <a:prstGeom prst="rect">
             <a:avLst/>
@@ -5093,7 +5114,7 @@
                   <a:schemeClr val="bg1"/>
                 </a:solidFill>
               </a:rPr>
-              <a:t>DeleteCommand</a:t>
+              <a:t>DeleteCaseCommand</a:t>
             </a:r>
             <a:endParaRPr lang="en-US" sz="1600" dirty="0">
               <a:solidFill>
@@ -5361,13 +5382,15 @@
       <p:cxnSp>
         <p:nvCxnSpPr>
           <p:cNvPr id="50" name="Straight Arrow Connector 49"/>
-          <p:cNvCxnSpPr/>
+          <p:cNvCxnSpPr>
+            <a:cxnSpLocks/>
+          </p:cNvCxnSpPr>
           <p:nvPr/>
         </p:nvCxnSpPr>
         <p:spPr>
           <a:xfrm>
             <a:off x="3412425" y="3173004"/>
-            <a:ext cx="819556" cy="1"/>
+            <a:ext cx="702375" cy="0"/>
           </a:xfrm>
           <a:prstGeom prst="straightConnector1">
             <a:avLst/>
